--- a/Presentation/PhoneDump.pptx
+++ b/Presentation/PhoneDump.pptx
@@ -2,14 +2,15 @@
 <file path=ppt/presentation.xml><?xml version="1.0" encoding="utf-8"?>
 <p:presentation xmlns:a="http://schemas.openxmlformats.org/drawingml/2006/main" xmlns:r="http://schemas.openxmlformats.org/officeDocument/2006/relationships" xmlns:p="http://schemas.openxmlformats.org/presentationml/2006/main" saveSubsetFonts="1">
   <p:sldMasterIdLst>
-    <p:sldMasterId id="2147483648" r:id="rId1"/>
+    <p:sldMasterId id="2147483648" r:id="rId2"/>
   </p:sldMasterIdLst>
   <p:sldIdLst>
-    <p:sldId id="256" r:id="rId2"/>
-    <p:sldId id="257" r:id="rId3"/>
-    <p:sldId id="258" r:id="rId4"/>
-    <p:sldId id="259" r:id="rId5"/>
-    <p:sldId id="260" r:id="rId6"/>
+    <p:sldId id="256" r:id="rId3"/>
+    <p:sldId id="257" r:id="rId4"/>
+    <p:sldId id="258" r:id="rId5"/>
+    <p:sldId id="259" r:id="rId6"/>
+    <p:sldId id="260" r:id="rId7"/>
+    <p:sldId id="261" r:id="rId8"/>
   </p:sldIdLst>
   <p:sldSz cx="12192000" cy="6858000"/>
   <p:notesSz cx="6858000" cy="9144000"/>
@@ -108,6 +109,11 @@
       </a:defRPr>
     </a:lvl9pPr>
   </p:defaultTextStyle>
+  <p:extLst>
+    <p:ext uri="{EFAFB233-063F-42B5-8137-9DF3F51BA10A}">
+      <p15:sldGuideLst xmlns:p15="http://schemas.microsoft.com/office/powerpoint/2012/main"/>
+    </p:ext>
+  </p:extLst>
 </p:presentation>
 </file>
 
@@ -6191,6 +6197,159 @@
       </p:grpSpPr>
       <p:sp>
         <p:nvSpPr>
+          <p:cNvPr id="15" name="Rectangle 8"/>
+          <p:cNvSpPr>
+            <a:spLocks noGrp="1" noRot="1" noChangeAspect="1" noMove="1" noResize="1" noEditPoints="1" noAdjustHandles="1" noChangeArrowheads="1" noChangeShapeType="1" noTextEdit="1"/>
+          </p:cNvSpPr>
+          <p:nvPr>
+            <p:extLst>
+              <p:ext uri="{386F3935-93C4-4BCD-93E2-E3B085C9AB24}">
+                <p16:designElem xmlns:p16="http://schemas.microsoft.com/office/powerpoint/2015/main" val="1"/>
+              </p:ext>
+            </p:extLst>
+          </p:nvPr>
+        </p:nvSpPr>
+        <p:spPr>
+          <a:xfrm>
+            <a:off x="478135" y="476778"/>
+            <a:ext cx="7212450" cy="5920653"/>
+          </a:xfrm>
+          <a:prstGeom prst="rect">
+            <a:avLst/>
+          </a:prstGeom>
+          <a:solidFill>
+            <a:schemeClr val="accent1"/>
+          </a:solidFill>
+          <a:ln>
+            <a:noFill/>
+          </a:ln>
+        </p:spPr>
+        <p:style>
+          <a:lnRef idx="1">
+            <a:schemeClr val="accent1"/>
+          </a:lnRef>
+          <a:fillRef idx="3">
+            <a:schemeClr val="accent1"/>
+          </a:fillRef>
+          <a:effectRef idx="2">
+            <a:schemeClr val="accent1"/>
+          </a:effectRef>
+          <a:fontRef idx="minor">
+            <a:schemeClr val="lt1"/>
+          </a:fontRef>
+        </p:style>
+        <p:txBody>
+          <a:bodyPr rtlCol="0" anchor="ctr"/>
+          <a:lstStyle/>
+          <a:p>
+            <a:pPr algn="ctr"/>
+            <a:endParaRPr lang="en-US"/>
+          </a:p>
+        </p:txBody>
+      </p:sp>
+      <p:cxnSp>
+        <p:nvCxnSpPr>
+          <p:cNvPr id="16" name="Straight Connector 9"/>
+          <p:cNvCxnSpPr>
+            <a:cxnSpLocks noGrp="1" noRot="1" noChangeAspect="1" noMove="1" noResize="1" noEditPoints="1" noAdjustHandles="1" noChangeArrowheads="1" noChangeShapeType="1"/>
+          </p:cNvCxnSpPr>
+          <p:nvPr>
+            <p:extLst>
+              <p:ext uri="{386F3935-93C4-4BCD-93E2-E3B085C9AB24}">
+                <p16:designElem xmlns:p16="http://schemas.microsoft.com/office/powerpoint/2015/main" val="1"/>
+              </p:ext>
+            </p:extLst>
+          </p:nvPr>
+        </p:nvCxnSpPr>
+        <p:spPr>
+          <a:xfrm>
+            <a:off x="3230880" y="4272509"/>
+            <a:ext cx="3657600" cy="0"/>
+          </a:xfrm>
+          <a:prstGeom prst="line">
+            <a:avLst/>
+          </a:prstGeom>
+          <a:ln w="19050">
+            <a:solidFill>
+              <a:srgbClr val="FFFFFF">
+                <a:alpha val="80000"/>
+              </a:srgbClr>
+            </a:solidFill>
+          </a:ln>
+        </p:spPr>
+        <p:style>
+          <a:lnRef idx="1">
+            <a:schemeClr val="accent1"/>
+          </a:lnRef>
+          <a:fillRef idx="0">
+            <a:schemeClr val="accent1"/>
+          </a:fillRef>
+          <a:effectRef idx="0">
+            <a:schemeClr val="accent1"/>
+          </a:effectRef>
+          <a:fontRef idx="minor">
+            <a:schemeClr val="tx1"/>
+          </a:fontRef>
+        </p:style>
+      </p:cxnSp>
+      <p:sp>
+        <p:nvSpPr>
+          <p:cNvPr id="17" name="Rectangle 10"/>
+          <p:cNvSpPr>
+            <a:spLocks noGrp="1" noRot="1" noChangeAspect="1" noMove="1" noResize="1" noEditPoints="1" noAdjustHandles="1" noChangeArrowheads="1" noChangeShapeType="1" noTextEdit="1"/>
+          </p:cNvSpPr>
+          <p:nvPr>
+            <p:extLst>
+              <p:ext uri="{386F3935-93C4-4BCD-93E2-E3B085C9AB24}">
+                <p16:designElem xmlns:p16="http://schemas.microsoft.com/office/powerpoint/2015/main" val="1"/>
+              </p:ext>
+            </p:extLst>
+          </p:nvPr>
+        </p:nvSpPr>
+        <p:spPr>
+          <a:xfrm>
+            <a:off x="7851452" y="476778"/>
+            <a:ext cx="3864383" cy="5920653"/>
+          </a:xfrm>
+          <a:prstGeom prst="rect">
+            <a:avLst/>
+          </a:prstGeom>
+          <a:solidFill>
+            <a:schemeClr val="bg2">
+              <a:lumMod val="90000"/>
+            </a:schemeClr>
+          </a:solidFill>
+          <a:ln>
+            <a:noFill/>
+          </a:ln>
+        </p:spPr>
+        <p:style>
+          <a:lnRef idx="2">
+            <a:schemeClr val="accent1">
+              <a:shade val="50000"/>
+            </a:schemeClr>
+          </a:lnRef>
+          <a:fillRef idx="1">
+            <a:schemeClr val="accent1"/>
+          </a:fillRef>
+          <a:effectRef idx="0">
+            <a:schemeClr val="accent1"/>
+          </a:effectRef>
+          <a:fontRef idx="minor">
+            <a:schemeClr val="lt1"/>
+          </a:fontRef>
+        </p:style>
+        <p:txBody>
+          <a:bodyPr rtlCol="0" anchor="ctr"/>
+          <a:lstStyle/>
+          <a:p>
+            <a:pPr algn="ctr"/>
+            <a:endParaRPr lang="en-US"/>
+          </a:p>
+        </p:txBody>
+      </p:sp>
+      <p:sp>
+        <p:nvSpPr>
           <p:cNvPr id="2" name="Title 1"/>
           <p:cNvSpPr>
             <a:spLocks noGrp="1"/>
@@ -6199,13 +6358,25 @@
             <p:ph type="ctrTitle"/>
           </p:nvPr>
         </p:nvSpPr>
-        <p:spPr/>
+        <p:spPr>
+          <a:xfrm>
+            <a:off x="1118215" y="1116858"/>
+            <a:ext cx="5956353" cy="3038947"/>
+          </a:xfrm>
+        </p:spPr>
         <p:txBody>
-          <a:bodyPr/>
+          <a:bodyPr>
+            <a:normAutofit/>
+          </a:bodyPr>
           <a:lstStyle/>
           <a:p>
+            <a:pPr algn="r"/>
             <a:r>
-              <a:rPr lang="en-AU" dirty="0"/>
+              <a:rPr lang="en-AU" sz="7200">
+                <a:solidFill>
+                  <a:srgbClr val="FFFFFF"/>
+                </a:solidFill>
+              </a:rPr>
               <a:t>Phone Dump</a:t>
             </a:r>
           </a:p>
@@ -6221,13 +6392,25 @@
             <p:ph type="subTitle" idx="1"/>
           </p:nvPr>
         </p:nvSpPr>
-        <p:spPr/>
+        <p:spPr>
+          <a:xfrm>
+            <a:off x="1118215" y="4425717"/>
+            <a:ext cx="5956353" cy="1247274"/>
+          </a:xfrm>
+        </p:spPr>
         <p:txBody>
-          <a:bodyPr/>
+          <a:bodyPr>
+            <a:normAutofit/>
+          </a:bodyPr>
           <a:lstStyle/>
           <a:p>
+            <a:pPr algn="r"/>
             <a:r>
-              <a:rPr lang="en-AU" dirty="0"/>
+              <a:rPr lang="en-AU">
+                <a:solidFill>
+                  <a:srgbClr val="FFFFFF"/>
+                </a:solidFill>
+              </a:rPr>
               <a:t>Solving First World problems for the Third World</a:t>
             </a:r>
           </a:p>
@@ -7629,6 +7812,102 @@
       </p:grpSpPr>
       <p:sp>
         <p:nvSpPr>
+          <p:cNvPr id="5" name="Rectangle 4"/>
+          <p:cNvSpPr>
+            <a:spLocks noGrp="1" noRot="1" noChangeAspect="1" noMove="1" noResize="1" noEditPoints="1" noAdjustHandles="1" noChangeArrowheads="1" noChangeShapeType="1" noTextEdit="1"/>
+          </p:cNvSpPr>
+          <p:nvPr>
+            <p:extLst>
+              <p:ext uri="{386F3935-93C4-4BCD-93E2-E3B085C9AB24}">
+                <p16:designElem xmlns:p16="http://schemas.microsoft.com/office/powerpoint/2015/main" val="1"/>
+              </p:ext>
+            </p:extLst>
+          </p:nvPr>
+        </p:nvSpPr>
+        <p:spPr>
+          <a:xfrm>
+            <a:off x="0" y="0"/>
+            <a:ext cx="12192000" cy="6858000"/>
+          </a:xfrm>
+          <a:prstGeom prst="rect">
+            <a:avLst/>
+          </a:prstGeom>
+          <a:ln>
+            <a:noFill/>
+          </a:ln>
+        </p:spPr>
+        <p:style>
+          <a:lnRef idx="2">
+            <a:schemeClr val="accent1">
+              <a:shade val="50000"/>
+            </a:schemeClr>
+          </a:lnRef>
+          <a:fillRef idx="1">
+            <a:schemeClr val="accent1"/>
+          </a:fillRef>
+          <a:effectRef idx="0">
+            <a:schemeClr val="accent1"/>
+          </a:effectRef>
+          <a:fontRef idx="minor">
+            <a:schemeClr val="lt1"/>
+          </a:fontRef>
+        </p:style>
+        <p:txBody>
+          <a:bodyPr rtlCol="0" anchor="ctr"/>
+          <a:lstStyle/>
+          <a:p>
+            <a:pPr algn="ctr"/>
+            <a:endParaRPr lang="en-US"/>
+          </a:p>
+        </p:txBody>
+      </p:sp>
+      <p:cxnSp>
+        <p:nvCxnSpPr>
+          <p:cNvPr id="6" name="Straight Connector 5"/>
+          <p:cNvCxnSpPr>
+            <a:cxnSpLocks noGrp="1" noRot="1" noChangeAspect="1" noMove="1" noResize="1" noEditPoints="1" noAdjustHandles="1" noChangeArrowheads="1" noChangeShapeType="1"/>
+          </p:cNvCxnSpPr>
+          <p:nvPr>
+            <p:extLst>
+              <p:ext uri="{386F3935-93C4-4BCD-93E2-E3B085C9AB24}">
+                <p16:designElem xmlns:p16="http://schemas.microsoft.com/office/powerpoint/2015/main" val="1"/>
+              </p:ext>
+            </p:extLst>
+          </p:nvPr>
+        </p:nvCxnSpPr>
+        <p:spPr>
+          <a:xfrm flipV="1">
+            <a:off x="762000" y="826324"/>
+            <a:ext cx="0" cy="914400"/>
+          </a:xfrm>
+          <a:prstGeom prst="line">
+            <a:avLst/>
+          </a:prstGeom>
+          <a:ln w="19050">
+            <a:solidFill>
+              <a:srgbClr val="FFFFFF">
+                <a:alpha val="80000"/>
+              </a:srgbClr>
+            </a:solidFill>
+          </a:ln>
+        </p:spPr>
+        <p:style>
+          <a:lnRef idx="1">
+            <a:schemeClr val="accent1"/>
+          </a:lnRef>
+          <a:fillRef idx="0">
+            <a:schemeClr val="accent1"/>
+          </a:fillRef>
+          <a:effectRef idx="0">
+            <a:schemeClr val="accent1"/>
+          </a:effectRef>
+          <a:fontRef idx="minor">
+            <a:schemeClr val="tx1"/>
+          </a:fontRef>
+        </p:style>
+      </p:cxnSp>
+      <p:sp>
+        <p:nvSpPr>
           <p:cNvPr id="2" name="Title 1"/>
           <p:cNvSpPr>
             <a:spLocks noGrp="1"/>
@@ -7637,13 +7916,24 @@
             <p:ph type="title"/>
           </p:nvPr>
         </p:nvSpPr>
-        <p:spPr/>
+        <p:spPr>
+          <a:xfrm>
+            <a:off x="943276" y="712268"/>
+            <a:ext cx="10410524" cy="1193533"/>
+          </a:xfrm>
+        </p:spPr>
         <p:txBody>
-          <a:bodyPr/>
+          <a:bodyPr>
+            <a:normAutofit/>
+          </a:bodyPr>
           <a:lstStyle/>
           <a:p>
             <a:r>
-              <a:rPr lang="en-AU" dirty="0"/>
+              <a:rPr lang="en-AU">
+                <a:solidFill>
+                  <a:srgbClr val="FFFFFF"/>
+                </a:solidFill>
+              </a:rPr>
               <a:t>Use Cases</a:t>
             </a:r>
           </a:p>
@@ -7659,12 +7949,23 @@
             <p:ph idx="1"/>
           </p:nvPr>
         </p:nvSpPr>
-        <p:spPr/>
+        <p:spPr>
+          <a:xfrm>
+            <a:off x="943276" y="2050181"/>
+            <a:ext cx="10410524" cy="4126782"/>
+          </a:xfrm>
+        </p:spPr>
         <p:txBody>
-          <a:bodyPr/>
+          <a:bodyPr>
+            <a:normAutofit/>
+          </a:bodyPr>
           <a:lstStyle/>
           <a:p>
-            <a:endParaRPr lang="en-AU"/>
+            <a:endParaRPr lang="en-AU" sz="2400">
+              <a:solidFill>
+                <a:srgbClr val="FFFFFF"/>
+              </a:solidFill>
+            </a:endParaRPr>
           </a:p>
         </p:txBody>
       </p:sp>
@@ -7700,6 +8001,102 @@
       </p:grpSpPr>
       <p:sp>
         <p:nvSpPr>
+          <p:cNvPr id="5" name="Rectangle 4"/>
+          <p:cNvSpPr>
+            <a:spLocks noGrp="1" noRot="1" noChangeAspect="1" noMove="1" noResize="1" noEditPoints="1" noAdjustHandles="1" noChangeArrowheads="1" noChangeShapeType="1" noTextEdit="1"/>
+          </p:cNvSpPr>
+          <p:nvPr>
+            <p:extLst>
+              <p:ext uri="{386F3935-93C4-4BCD-93E2-E3B085C9AB24}">
+                <p16:designElem xmlns:p16="http://schemas.microsoft.com/office/powerpoint/2015/main" val="1"/>
+              </p:ext>
+            </p:extLst>
+          </p:nvPr>
+        </p:nvSpPr>
+        <p:spPr>
+          <a:xfrm>
+            <a:off x="0" y="0"/>
+            <a:ext cx="12192000" cy="6858000"/>
+          </a:xfrm>
+          <a:prstGeom prst="rect">
+            <a:avLst/>
+          </a:prstGeom>
+          <a:ln>
+            <a:noFill/>
+          </a:ln>
+        </p:spPr>
+        <p:style>
+          <a:lnRef idx="2">
+            <a:schemeClr val="accent1">
+              <a:shade val="50000"/>
+            </a:schemeClr>
+          </a:lnRef>
+          <a:fillRef idx="1">
+            <a:schemeClr val="accent1"/>
+          </a:fillRef>
+          <a:effectRef idx="0">
+            <a:schemeClr val="accent1"/>
+          </a:effectRef>
+          <a:fontRef idx="minor">
+            <a:schemeClr val="lt1"/>
+          </a:fontRef>
+        </p:style>
+        <p:txBody>
+          <a:bodyPr rtlCol="0" anchor="ctr"/>
+          <a:lstStyle/>
+          <a:p>
+            <a:pPr algn="ctr"/>
+            <a:endParaRPr lang="en-US"/>
+          </a:p>
+        </p:txBody>
+      </p:sp>
+      <p:cxnSp>
+        <p:nvCxnSpPr>
+          <p:cNvPr id="6" name="Straight Connector 5"/>
+          <p:cNvCxnSpPr>
+            <a:cxnSpLocks noGrp="1" noRot="1" noChangeAspect="1" noMove="1" noResize="1" noEditPoints="1" noAdjustHandles="1" noChangeArrowheads="1" noChangeShapeType="1"/>
+          </p:cNvCxnSpPr>
+          <p:nvPr>
+            <p:extLst>
+              <p:ext uri="{386F3935-93C4-4BCD-93E2-E3B085C9AB24}">
+                <p16:designElem xmlns:p16="http://schemas.microsoft.com/office/powerpoint/2015/main" val="1"/>
+              </p:ext>
+            </p:extLst>
+          </p:nvPr>
+        </p:nvCxnSpPr>
+        <p:spPr>
+          <a:xfrm flipV="1">
+            <a:off x="762000" y="826324"/>
+            <a:ext cx="0" cy="914400"/>
+          </a:xfrm>
+          <a:prstGeom prst="line">
+            <a:avLst/>
+          </a:prstGeom>
+          <a:ln w="19050">
+            <a:solidFill>
+              <a:srgbClr val="FFFFFF">
+                <a:alpha val="80000"/>
+              </a:srgbClr>
+            </a:solidFill>
+          </a:ln>
+        </p:spPr>
+        <p:style>
+          <a:lnRef idx="1">
+            <a:schemeClr val="accent1"/>
+          </a:lnRef>
+          <a:fillRef idx="0">
+            <a:schemeClr val="accent1"/>
+          </a:fillRef>
+          <a:effectRef idx="0">
+            <a:schemeClr val="accent1"/>
+          </a:effectRef>
+          <a:fontRef idx="minor">
+            <a:schemeClr val="tx1"/>
+          </a:fontRef>
+        </p:style>
+      </p:cxnSp>
+      <p:sp>
+        <p:nvSpPr>
           <p:cNvPr id="2" name="Title 1"/>
           <p:cNvSpPr>
             <a:spLocks noGrp="1"/>
@@ -7708,13 +8105,24 @@
             <p:ph type="title"/>
           </p:nvPr>
         </p:nvSpPr>
-        <p:spPr/>
+        <p:spPr>
+          <a:xfrm>
+            <a:off x="943276" y="712268"/>
+            <a:ext cx="10410524" cy="1193533"/>
+          </a:xfrm>
+        </p:spPr>
         <p:txBody>
-          <a:bodyPr/>
+          <a:bodyPr>
+            <a:normAutofit/>
+          </a:bodyPr>
           <a:lstStyle/>
           <a:p>
             <a:r>
-              <a:rPr lang="en-AU" dirty="0"/>
+              <a:rPr lang="en-AU">
+                <a:solidFill>
+                  <a:srgbClr val="FFFFFF"/>
+                </a:solidFill>
+              </a:rPr>
               <a:t>Process</a:t>
             </a:r>
           </a:p>
@@ -7730,25 +8138,44 @@
             <p:ph idx="1"/>
           </p:nvPr>
         </p:nvSpPr>
-        <p:spPr/>
+        <p:spPr>
+          <a:xfrm>
+            <a:off x="943276" y="2050181"/>
+            <a:ext cx="10410524" cy="4126782"/>
+          </a:xfrm>
+        </p:spPr>
         <p:txBody>
-          <a:bodyPr/>
+          <a:bodyPr>
+            <a:normAutofit/>
+          </a:bodyPr>
           <a:lstStyle/>
           <a:p>
             <a:r>
-              <a:rPr lang="en-AU" dirty="0"/>
+              <a:rPr lang="en-AU" sz="2400">
+                <a:solidFill>
+                  <a:srgbClr val="FFFFFF"/>
+                </a:solidFill>
+              </a:rPr>
               <a:t>Dev Ops</a:t>
             </a:r>
           </a:p>
           <a:p>
             <a:r>
-              <a:rPr lang="en-AU" dirty="0"/>
+              <a:rPr lang="en-AU" sz="2400">
+                <a:solidFill>
+                  <a:srgbClr val="FFFFFF"/>
+                </a:solidFill>
+              </a:rPr>
               <a:t>Team Communication</a:t>
             </a:r>
           </a:p>
           <a:p>
             <a:r>
-              <a:rPr lang="en-AU" dirty="0"/>
+              <a:rPr lang="en-AU" sz="2400">
+                <a:solidFill>
+                  <a:srgbClr val="FFFFFF"/>
+                </a:solidFill>
+              </a:rPr>
               <a:t>Testing</a:t>
             </a:r>
           </a:p>
@@ -7758,6 +8185,242 @@
     <p:extLst>
       <p:ext uri="{BB962C8B-B14F-4D97-AF65-F5344CB8AC3E}">
         <p14:creationId xmlns:p14="http://schemas.microsoft.com/office/powerpoint/2010/main" val="4092473060"/>
+      </p:ext>
+    </p:extLst>
+  </p:cSld>
+  <p:clrMapOvr>
+    <a:masterClrMapping/>
+  </p:clrMapOvr>
+</p:sld>
+</file>
+
+<file path=ppt/slides/slide6.xml><?xml version="1.0" encoding="utf-8"?>
+<p:sld xmlns:a="http://schemas.openxmlformats.org/drawingml/2006/main" xmlns:r="http://schemas.openxmlformats.org/officeDocument/2006/relationships" xmlns:p="http://schemas.openxmlformats.org/presentationml/2006/main">
+  <p:cSld>
+    <p:spTree>
+      <p:nvGrpSpPr>
+        <p:cNvPr id="1" name=""/>
+        <p:cNvGrpSpPr/>
+        <p:nvPr/>
+      </p:nvGrpSpPr>
+      <p:grpSpPr>
+        <a:xfrm>
+          <a:off x="0" y="0"/>
+          <a:ext cx="0" cy="0"/>
+          <a:chOff x="0" y="0"/>
+          <a:chExt cx="0" cy="0"/>
+        </a:xfrm>
+      </p:grpSpPr>
+      <p:sp>
+        <p:nvSpPr>
+          <p:cNvPr id="5" name="Rectangle 4"/>
+          <p:cNvSpPr>
+            <a:spLocks noGrp="1" noRot="1" noChangeAspect="1" noMove="1" noResize="1" noEditPoints="1" noAdjustHandles="1" noChangeArrowheads="1" noChangeShapeType="1" noTextEdit="1"/>
+          </p:cNvSpPr>
+          <p:nvPr>
+            <p:extLst>
+              <p:ext uri="{386F3935-93C4-4BCD-93E2-E3B085C9AB24}">
+                <p16:designElem xmlns:p16="http://schemas.microsoft.com/office/powerpoint/2015/main" val="1"/>
+              </p:ext>
+            </p:extLst>
+          </p:nvPr>
+        </p:nvSpPr>
+        <p:spPr>
+          <a:xfrm>
+            <a:off x="0" y="0"/>
+            <a:ext cx="12192000" cy="6858000"/>
+          </a:xfrm>
+          <a:prstGeom prst="rect">
+            <a:avLst/>
+          </a:prstGeom>
+          <a:ln>
+            <a:noFill/>
+          </a:ln>
+        </p:spPr>
+        <p:style>
+          <a:lnRef idx="2">
+            <a:schemeClr val="accent1">
+              <a:shade val="50000"/>
+            </a:schemeClr>
+          </a:lnRef>
+          <a:fillRef idx="1">
+            <a:schemeClr val="accent1"/>
+          </a:fillRef>
+          <a:effectRef idx="0">
+            <a:schemeClr val="accent1"/>
+          </a:effectRef>
+          <a:fontRef idx="minor">
+            <a:schemeClr val="lt1"/>
+          </a:fontRef>
+        </p:style>
+        <p:txBody>
+          <a:bodyPr rtlCol="0" anchor="ctr"/>
+          <a:lstStyle/>
+          <a:p>
+            <a:pPr algn="ctr"/>
+            <a:endParaRPr lang="en-US"/>
+          </a:p>
+        </p:txBody>
+      </p:sp>
+      <p:cxnSp>
+        <p:nvCxnSpPr>
+          <p:cNvPr id="6" name="Straight Connector 5"/>
+          <p:cNvCxnSpPr>
+            <a:cxnSpLocks noGrp="1" noRot="1" noChangeAspect="1" noMove="1" noResize="1" noEditPoints="1" noAdjustHandles="1" noChangeArrowheads="1" noChangeShapeType="1"/>
+          </p:cNvCxnSpPr>
+          <p:nvPr>
+            <p:extLst>
+              <p:ext uri="{386F3935-93C4-4BCD-93E2-E3B085C9AB24}">
+                <p16:designElem xmlns:p16="http://schemas.microsoft.com/office/powerpoint/2015/main" val="1"/>
+              </p:ext>
+            </p:extLst>
+          </p:nvPr>
+        </p:nvCxnSpPr>
+        <p:spPr>
+          <a:xfrm flipV="1">
+            <a:off x="762000" y="826324"/>
+            <a:ext cx="0" cy="914400"/>
+          </a:xfrm>
+          <a:prstGeom prst="line">
+            <a:avLst/>
+          </a:prstGeom>
+          <a:ln w="19050">
+            <a:solidFill>
+              <a:srgbClr val="FFFFFF">
+                <a:alpha val="80000"/>
+              </a:srgbClr>
+            </a:solidFill>
+          </a:ln>
+        </p:spPr>
+        <p:style>
+          <a:lnRef idx="1">
+            <a:schemeClr val="accent1"/>
+          </a:lnRef>
+          <a:fillRef idx="0">
+            <a:schemeClr val="accent1"/>
+          </a:fillRef>
+          <a:effectRef idx="0">
+            <a:schemeClr val="accent1"/>
+          </a:effectRef>
+          <a:fontRef idx="minor">
+            <a:schemeClr val="tx1"/>
+          </a:fontRef>
+        </p:style>
+      </p:cxnSp>
+      <p:sp>
+        <p:nvSpPr>
+          <p:cNvPr id="2" name="Title 1"/>
+          <p:cNvSpPr>
+            <a:spLocks noGrp="1"/>
+          </p:cNvSpPr>
+          <p:nvPr>
+            <p:ph type="title"/>
+          </p:nvPr>
+        </p:nvSpPr>
+        <p:spPr>
+          <a:xfrm>
+            <a:off x="943276" y="712268"/>
+            <a:ext cx="10410524" cy="1193533"/>
+          </a:xfrm>
+        </p:spPr>
+        <p:txBody>
+          <a:bodyPr>
+            <a:normAutofit/>
+          </a:bodyPr>
+          <a:lstStyle/>
+          <a:p>
+            <a:r>
+              <a:rPr lang="en-AU">
+                <a:solidFill>
+                  <a:srgbClr val="FFFFFF"/>
+                </a:solidFill>
+              </a:rPr>
+              <a:t>DevOps</a:t>
+            </a:r>
+          </a:p>
+        </p:txBody>
+      </p:sp>
+      <p:sp>
+        <p:nvSpPr>
+          <p:cNvPr id="3" name="Content Placeholder 2"/>
+          <p:cNvSpPr>
+            <a:spLocks noGrp="1"/>
+          </p:cNvSpPr>
+          <p:nvPr>
+            <p:ph idx="1"/>
+          </p:nvPr>
+        </p:nvSpPr>
+        <p:spPr>
+          <a:xfrm>
+            <a:off x="943276" y="2050181"/>
+            <a:ext cx="10410524" cy="4126782"/>
+          </a:xfrm>
+        </p:spPr>
+        <p:txBody>
+          <a:bodyPr>
+            <a:normAutofit/>
+          </a:bodyPr>
+          <a:lstStyle/>
+          <a:p>
+            <a:r>
+              <a:rPr lang="en-AU" sz="2400">
+                <a:solidFill>
+                  <a:srgbClr val="FFFFFF"/>
+                </a:solidFill>
+              </a:rPr>
+              <a:t>Visual Studio Team Services</a:t>
+            </a:r>
+          </a:p>
+          <a:p>
+            <a:pPr lvl="1"/>
+            <a:r>
+              <a:rPr lang="en-AU">
+                <a:solidFill>
+                  <a:srgbClr val="FFFFFF"/>
+                </a:solidFill>
+              </a:rPr>
+              <a:t>Continuous Integration</a:t>
+            </a:r>
+          </a:p>
+          <a:p>
+            <a:pPr lvl="1"/>
+            <a:r>
+              <a:rPr lang="en-AU">
+                <a:solidFill>
+                  <a:srgbClr val="FFFFFF"/>
+                </a:solidFill>
+              </a:rPr>
+              <a:t>Continuous Deployment</a:t>
+            </a:r>
+          </a:p>
+          <a:p>
+            <a:pPr lvl="1"/>
+            <a:r>
+              <a:rPr lang="en-AU">
+                <a:solidFill>
+                  <a:srgbClr val="FFFFFF"/>
+                </a:solidFill>
+              </a:rPr>
+              <a:t>Kanban</a:t>
+            </a:r>
+          </a:p>
+          <a:p>
+            <a:pPr lvl="1"/>
+            <a:r>
+              <a:rPr lang="en-AU">
+                <a:solidFill>
+                  <a:srgbClr val="FFFFFF"/>
+                </a:solidFill>
+              </a:rPr>
+              <a:t>Hockey App</a:t>
+            </a:r>
+          </a:p>
+        </p:txBody>
+      </p:sp>
+    </p:spTree>
+    <p:extLst>
+      <p:ext uri="{BB962C8B-B14F-4D97-AF65-F5344CB8AC3E}">
+        <p14:creationId xmlns:p14="http://schemas.microsoft.com/office/powerpoint/2010/main" val="3187585271"/>
       </p:ext>
     </p:extLst>
   </p:cSld>
@@ -8060,4 +8723,18 @@
     </a:ext>
   </a:extLst>
 </a:theme>
+</file>
+
+<file path=customXml/item1.xml><?xml version="1.0" encoding="utf-8"?>
+<Control xmlns="http://schemas.microsoft.com/VisualStudio/2011/storyboarding/control">
+  <Id Name="System.Storyboarding.Backgrounds.WindowsPhone" Revision="1" Stencil="System.Storyboarding.Backgrounds" StencilVersion="0.1"/>
+</Control>
+</file>
+
+<file path=customXml/itemProps1.xml><?xml version="1.0" encoding="utf-8"?>
+<ds:datastoreItem xmlns:ds="http://schemas.openxmlformats.org/officeDocument/2006/customXml" ds:itemID="{2380991D-87E4-40ED-AED0-B5ECEE85E08E}">
+  <ds:schemaRefs>
+    <ds:schemaRef ds:uri="http://schemas.microsoft.com/VisualStudio/2011/storyboarding/control"/>
+  </ds:schemaRefs>
+</ds:datastoreItem>
 </file>